--- a/LATMI_20201215.pptx
+++ b/LATMI_20201215.pptx
@@ -5,18 +5,19 @@
     <p:sldMasterId id="2147483714" r:id="rId1"/>
   </p:sldMasterIdLst>
   <p:notesMasterIdLst>
-    <p:notesMasterId r:id="rId8"/>
+    <p:notesMasterId r:id="rId9"/>
   </p:notesMasterIdLst>
   <p:handoutMasterIdLst>
-    <p:handoutMasterId r:id="rId9"/>
+    <p:handoutMasterId r:id="rId10"/>
   </p:handoutMasterIdLst>
   <p:sldIdLst>
     <p:sldId id="262" r:id="rId2"/>
     <p:sldId id="294" r:id="rId3"/>
     <p:sldId id="281" r:id="rId4"/>
-    <p:sldId id="299" r:id="rId5"/>
-    <p:sldId id="295" r:id="rId6"/>
+    <p:sldId id="295" r:id="rId5"/>
+    <p:sldId id="299" r:id="rId6"/>
     <p:sldId id="300" r:id="rId7"/>
+    <p:sldId id="301" r:id="rId8"/>
   </p:sldIdLst>
   <p:sldSz cx="12192000" cy="6858000"/>
   <p:notesSz cx="6858000" cy="9144000"/>
@@ -752,7 +753,7 @@
           <a:p>
             <a:fld id="{A16CFAD1-D197-4A88-B173-A6412E995EE5}" type="slidenum">
               <a:rPr lang="en-GB" smtClean="0"/>
-              <a:t>5</a:t>
+              <a:t>4</a:t>
             </a:fld>
             <a:endParaRPr lang="en-GB"/>
           </a:p>
@@ -6004,13 +6005,8 @@
           <a:p>
             <a:r>
               <a:rPr lang="da-DK" dirty="0"/>
-              <a:t>Max </a:t>
-            </a:r>
-            <a:r>
-              <a:rPr lang="da-DK"/>
-              <a:t>Odsbjerg Pedersen</a:t>
-            </a:r>
-            <a:endParaRPr lang="da-DK" dirty="0"/>
+              <a:t>Max Odsbjerg Pedersen</a:t>
+            </a:r>
           </a:p>
         </p:txBody>
       </p:sp>
@@ -6153,18 +6149,7 @@
             <a:pPr marL="0" indent="0" algn="ctr">
               <a:buNone/>
             </a:pPr>
-            <a:r>
-              <a:rPr lang="da-DK" sz="2400" dirty="0"/>
-              <a:t>at vise at man med en forholdsvis </a:t>
-            </a:r>
-            <a:r>
-              <a:rPr lang="da-DK" sz="2400" i="1" dirty="0"/>
-              <a:t>lille, men frygtløs</a:t>
-            </a:r>
-            <a:r>
-              <a:rPr lang="da-DK" sz="2400" dirty="0"/>
-              <a:t> indsats, fint kan komme i gang med Text Mining</a:t>
-            </a:r>
+            <a:endParaRPr lang="da-DK" dirty="0"/>
           </a:p>
           <a:p>
             <a:pPr marL="0" indent="0" algn="ctr">
@@ -6176,16 +6161,39 @@
             <a:pPr marL="0" indent="0" algn="ctr">
               <a:buNone/>
             </a:pPr>
-            <a:endParaRPr lang="da-DK" dirty="0"/>
+            <a:r>
+              <a:rPr lang="da-DK" sz="2400" dirty="0"/>
+              <a:t>at give jer en basal forståelse af text mining</a:t>
+            </a:r>
           </a:p>
           <a:p>
             <a:pPr marL="0" indent="0" algn="ctr">
               <a:buNone/>
             </a:pPr>
+            <a:endParaRPr lang="da-DK" sz="2400" dirty="0"/>
+          </a:p>
+          <a:p>
+            <a:pPr marL="0" indent="0" algn="ctr">
+              <a:buNone/>
+            </a:pPr>
             <a:r>
               <a:rPr lang="da-DK" sz="2400" dirty="0"/>
-              <a:t>at give jer en basal forståelse af text mining</a:t>
-            </a:r>
+              <a:t>at vise at man med en forholdsvis </a:t>
+            </a:r>
+            <a:r>
+              <a:rPr lang="da-DK" sz="2400" i="1" dirty="0"/>
+              <a:t>lille, men frygtløs</a:t>
+            </a:r>
+            <a:r>
+              <a:rPr lang="da-DK" sz="2400" dirty="0"/>
+              <a:t> indsats, fint kan komme i gang med Text Mining</a:t>
+            </a:r>
+          </a:p>
+          <a:p>
+            <a:pPr marL="0" indent="0" algn="ctr">
+              <a:buNone/>
+            </a:pPr>
+            <a:endParaRPr lang="da-DK" sz="2400" dirty="0"/>
           </a:p>
           <a:p>
             <a:pPr marL="0" indent="0">
@@ -6441,7 +6449,7 @@
           <p:cNvPr id="2" name="Titel 1">
             <a:extLst>
               <a:ext uri="{FF2B5EF4-FFF2-40B4-BE49-F238E27FC236}">
-                <a16:creationId xmlns:a16="http://schemas.microsoft.com/office/drawing/2014/main" id="{C6D2D12F-CC83-C24F-B109-9989A3594704}"/>
+                <a16:creationId xmlns:a16="http://schemas.microsoft.com/office/drawing/2014/main" id="{D398FBD6-03B3-624D-BB65-59F3E7042C64}"/>
               </a:ext>
             </a:extLst>
           </p:cNvPr>
@@ -6459,31 +6467,7 @@
           <a:p>
             <a:r>
               <a:rPr lang="en-GB" dirty="0" err="1"/>
-              <a:t>Hvad</a:t>
-            </a:r>
-            <a:r>
-              <a:rPr lang="en-GB" dirty="0"/>
-              <a:t> vi </a:t>
-            </a:r>
-            <a:r>
-              <a:rPr lang="en-GB" dirty="0" err="1"/>
-              <a:t>ikke</a:t>
-            </a:r>
-            <a:r>
-              <a:rPr lang="en-GB" dirty="0"/>
-              <a:t> </a:t>
-            </a:r>
-            <a:r>
-              <a:rPr lang="en-GB" dirty="0" err="1"/>
-              <a:t>kommer</a:t>
-            </a:r>
-            <a:r>
-              <a:rPr lang="en-GB" dirty="0"/>
-              <a:t> </a:t>
-            </a:r>
-            <a:r>
-              <a:rPr lang="en-GB" dirty="0" err="1"/>
-              <a:t>omkring</a:t>
+              <a:t>Datakorpus</a:t>
             </a:r>
             <a:endParaRPr lang="en-GB" dirty="0"/>
           </a:p>
@@ -6494,7 +6478,7 @@
           <p:cNvPr id="3" name="Pladsholder til tekst 2">
             <a:extLst>
               <a:ext uri="{FF2B5EF4-FFF2-40B4-BE49-F238E27FC236}">
-                <a16:creationId xmlns:a16="http://schemas.microsoft.com/office/drawing/2014/main" id="{27E23B86-9DFF-2744-9C5B-8E345F04C920}"/>
+                <a16:creationId xmlns:a16="http://schemas.microsoft.com/office/drawing/2014/main" id="{7CD010C5-CC73-7D44-9934-B05EDE6EEF6A}"/>
               </a:ext>
             </a:extLst>
           </p:cNvPr>
@@ -6507,8 +6491,8 @@
         </p:nvSpPr>
         <p:spPr>
           <a:xfrm>
-            <a:off x="719138" y="2160270"/>
-            <a:ext cx="9528448" cy="3124530"/>
+            <a:off x="719138" y="1580827"/>
+            <a:ext cx="6840000" cy="3703973"/>
           </a:xfrm>
         </p:spPr>
         <p:txBody>
@@ -6517,81 +6501,39 @@
           <a:p>
             <a:r>
               <a:rPr lang="da-DK" sz="2800" dirty="0"/>
-              <a:t>hvordan man finder fagrelevant data</a:t>
-            </a:r>
-          </a:p>
-          <a:p>
+              <a:t>Aarhus</a:t>
+            </a:r>
+            <a:r>
+              <a:rPr lang="da-DK" sz="2800" b="1" dirty="0"/>
+              <a:t> </a:t>
+            </a:r>
+            <a:r>
+              <a:rPr lang="da-DK" sz="2800" dirty="0" err="1"/>
+              <a:t>Byraads</a:t>
+            </a:r>
+            <a:r>
+              <a:rPr lang="da-DK" sz="2800" b="1" dirty="0"/>
+              <a:t> </a:t>
+            </a:r>
             <a:r>
               <a:rPr lang="da-DK" sz="2800" dirty="0"/>
-              <a:t> data oprensning (kan være en markant del af et "rigtigt" projekt)</a:t>
-            </a:r>
-          </a:p>
-          <a:p>
+              <a:t>forhandlingsprotokoller</a:t>
+            </a:r>
+            <a:r>
+              <a:rPr lang="da-DK" sz="2800" b="1" dirty="0"/>
+              <a:t> </a:t>
+            </a:r>
             <a:r>
               <a:rPr lang="da-DK" sz="2800" dirty="0"/>
-              <a:t> avancerede analyser som fx </a:t>
-            </a:r>
-            <a:r>
-              <a:rPr lang="da-DK" sz="2800" dirty="0" err="1"/>
-              <a:t>sentiment</a:t>
-            </a:r>
+              <a:t>1915-1930</a:t>
+            </a:r>
+          </a:p>
+          <a:p>
+            <a:pPr lvl="1"/>
             <a:r>
               <a:rPr lang="da-DK" sz="2800" dirty="0"/>
-              <a:t>, </a:t>
-            </a:r>
-            <a:r>
-              <a:rPr lang="da-DK" sz="2800" dirty="0" err="1"/>
-              <a:t>named</a:t>
-            </a:r>
-            <a:r>
-              <a:rPr lang="da-DK" sz="2800" dirty="0"/>
-              <a:t> </a:t>
-            </a:r>
-            <a:r>
-              <a:rPr lang="da-DK" sz="2800" dirty="0" err="1"/>
-              <a:t>entity</a:t>
-            </a:r>
-            <a:r>
-              <a:rPr lang="da-DK" sz="2800" dirty="0"/>
-              <a:t> </a:t>
-            </a:r>
-            <a:r>
-              <a:rPr lang="da-DK" sz="2800" dirty="0" err="1"/>
-              <a:t>recognition</a:t>
-            </a:r>
-            <a:r>
-              <a:rPr lang="da-DK" sz="2800" dirty="0"/>
-              <a:t> (NER) og maskinlæring</a:t>
-            </a:r>
-          </a:p>
-          <a:p>
-            <a:r>
-              <a:rPr lang="da-DK" sz="2800" dirty="0"/>
-              <a:t> versionering som </a:t>
-            </a:r>
-            <a:r>
-              <a:rPr lang="da-DK" sz="2800" dirty="0" err="1"/>
-              <a:t>git</a:t>
-            </a:r>
-            <a:r>
-              <a:rPr lang="da-DK" sz="2800" dirty="0"/>
-              <a:t> og andet IT-støtteværktøj</a:t>
-            </a:r>
-          </a:p>
-          <a:p>
-            <a:r>
-              <a:rPr lang="da-DK" sz="2800" dirty="0"/>
-              <a:t> datatyper</a:t>
-            </a:r>
-          </a:p>
-          <a:p>
-            <a:r>
-              <a:rPr lang="da-DK" sz="2800" dirty="0"/>
-              <a:t> programmering</a:t>
-            </a:r>
-          </a:p>
-          <a:p>
-            <a:endParaRPr lang="en-GB" sz="2800" dirty="0"/>
+              <a:t>Transskriberet og korrekturlæst tekst fra de årligt udgivne byrådsreferater.</a:t>
+            </a:r>
           </a:p>
         </p:txBody>
       </p:sp>
@@ -6600,7 +6542,7 @@
           <p:cNvPr id="4" name="Pladsholder til dato 3">
             <a:extLst>
               <a:ext uri="{FF2B5EF4-FFF2-40B4-BE49-F238E27FC236}">
-                <a16:creationId xmlns:a16="http://schemas.microsoft.com/office/drawing/2014/main" id="{8C6035B0-07A7-5E48-B61E-0389D03F2EF0}"/>
+                <a16:creationId xmlns:a16="http://schemas.microsoft.com/office/drawing/2014/main" id="{9C6CA27E-09E4-6841-83D1-270D1A8F84DA}"/>
               </a:ext>
             </a:extLst>
           </p:cNvPr>
@@ -6625,10 +6567,40 @@
           </a:p>
         </p:txBody>
       </p:sp>
+      <p:pic>
+        <p:nvPicPr>
+          <p:cNvPr id="5" name="Billede 4">
+            <a:extLst>
+              <a:ext uri="{FF2B5EF4-FFF2-40B4-BE49-F238E27FC236}">
+                <a16:creationId xmlns:a16="http://schemas.microsoft.com/office/drawing/2014/main" id="{5959C7FC-A2CA-E144-89FA-037DFAF65835}"/>
+              </a:ext>
+            </a:extLst>
+          </p:cNvPr>
+          <p:cNvPicPr>
+            <a:picLocks noChangeAspect="1"/>
+          </p:cNvPicPr>
+          <p:nvPr/>
+        </p:nvPicPr>
+        <p:blipFill>
+          <a:blip r:embed="rId3"/>
+          <a:stretch>
+            <a:fillRect/>
+          </a:stretch>
+        </p:blipFill>
+        <p:spPr>
+          <a:xfrm>
+            <a:off x="7171364" y="3085493"/>
+            <a:ext cx="4513243" cy="2760616"/>
+          </a:xfrm>
+          <a:prstGeom prst="rect">
+            <a:avLst/>
+          </a:prstGeom>
+        </p:spPr>
+      </p:pic>
     </p:spTree>
     <p:extLst>
       <p:ext uri="{BB962C8B-B14F-4D97-AF65-F5344CB8AC3E}">
-        <p14:creationId xmlns:p14="http://schemas.microsoft.com/office/powerpoint/2010/main" val="1456363749"/>
+        <p14:creationId xmlns:p14="http://schemas.microsoft.com/office/powerpoint/2010/main" val="2331724065"/>
       </p:ext>
     </p:extLst>
   </p:cSld>
@@ -6660,7 +6632,7 @@
           <p:cNvPr id="2" name="Titel 1">
             <a:extLst>
               <a:ext uri="{FF2B5EF4-FFF2-40B4-BE49-F238E27FC236}">
-                <a16:creationId xmlns:a16="http://schemas.microsoft.com/office/drawing/2014/main" id="{D398FBD6-03B3-624D-BB65-59F3E7042C64}"/>
+                <a16:creationId xmlns:a16="http://schemas.microsoft.com/office/drawing/2014/main" id="{C6D2D12F-CC83-C24F-B109-9989A3594704}"/>
               </a:ext>
             </a:extLst>
           </p:cNvPr>
@@ -6678,7 +6650,31 @@
           <a:p>
             <a:r>
               <a:rPr lang="en-GB" dirty="0" err="1"/>
-              <a:t>Datakorpus</a:t>
+              <a:t>Hvad</a:t>
+            </a:r>
+            <a:r>
+              <a:rPr lang="en-GB" dirty="0"/>
+              <a:t> vi </a:t>
+            </a:r>
+            <a:r>
+              <a:rPr lang="en-GB" dirty="0" err="1"/>
+              <a:t>ikke</a:t>
+            </a:r>
+            <a:r>
+              <a:rPr lang="en-GB" dirty="0"/>
+              <a:t> </a:t>
+            </a:r>
+            <a:r>
+              <a:rPr lang="en-GB" dirty="0" err="1"/>
+              <a:t>kommer</a:t>
+            </a:r>
+            <a:r>
+              <a:rPr lang="en-GB" dirty="0"/>
+              <a:t> </a:t>
+            </a:r>
+            <a:r>
+              <a:rPr lang="en-GB" dirty="0" err="1"/>
+              <a:t>omkring</a:t>
             </a:r>
             <a:endParaRPr lang="en-GB" dirty="0"/>
           </a:p>
@@ -6689,7 +6685,7 @@
           <p:cNvPr id="3" name="Pladsholder til tekst 2">
             <a:extLst>
               <a:ext uri="{FF2B5EF4-FFF2-40B4-BE49-F238E27FC236}">
-                <a16:creationId xmlns:a16="http://schemas.microsoft.com/office/drawing/2014/main" id="{7CD010C5-CC73-7D44-9934-B05EDE6EEF6A}"/>
+                <a16:creationId xmlns:a16="http://schemas.microsoft.com/office/drawing/2014/main" id="{27E23B86-9DFF-2744-9C5B-8E345F04C920}"/>
               </a:ext>
             </a:extLst>
           </p:cNvPr>
@@ -6702,8 +6698,8 @@
         </p:nvSpPr>
         <p:spPr>
           <a:xfrm>
-            <a:off x="719138" y="1580827"/>
-            <a:ext cx="6840000" cy="3703973"/>
+            <a:off x="719138" y="2160270"/>
+            <a:ext cx="9528448" cy="3124530"/>
           </a:xfrm>
         </p:spPr>
         <p:txBody>
@@ -6712,39 +6708,81 @@
           <a:p>
             <a:r>
               <a:rPr lang="da-DK" sz="2800" dirty="0"/>
-              <a:t>Aarhus</a:t>
-            </a:r>
-            <a:r>
-              <a:rPr lang="da-DK" sz="2800" b="1" dirty="0"/>
+              <a:t>hvordan man finder fagrelevant data</a:t>
+            </a:r>
+          </a:p>
+          <a:p>
+            <a:r>
+              <a:rPr lang="da-DK" sz="2800" dirty="0"/>
+              <a:t> data oprensning (kan være en markant del af et "rigtigt" projekt)</a:t>
+            </a:r>
+          </a:p>
+          <a:p>
+            <a:r>
+              <a:rPr lang="da-DK" sz="2800" dirty="0"/>
+              <a:t> avancerede analyser som fx </a:t>
+            </a:r>
+            <a:r>
+              <a:rPr lang="da-DK" sz="2800" dirty="0" err="1"/>
+              <a:t>sentiment</a:t>
+            </a:r>
+            <a:r>
+              <a:rPr lang="da-DK" sz="2800" dirty="0"/>
+              <a:t>, </a:t>
+            </a:r>
+            <a:r>
+              <a:rPr lang="da-DK" sz="2800" dirty="0" err="1"/>
+              <a:t>named</a:t>
+            </a:r>
+            <a:r>
+              <a:rPr lang="da-DK" sz="2800" dirty="0"/>
               <a:t> </a:t>
             </a:r>
             <a:r>
               <a:rPr lang="da-DK" sz="2800" dirty="0" err="1"/>
-              <a:t>Byraads</a:t>
-            </a:r>
-            <a:r>
-              <a:rPr lang="da-DK" sz="2800" b="1" dirty="0"/>
+              <a:t>entity</a:t>
+            </a:r>
+            <a:r>
+              <a:rPr lang="da-DK" sz="2800" dirty="0"/>
               <a:t> </a:t>
             </a:r>
             <a:r>
+              <a:rPr lang="da-DK" sz="2800" dirty="0" err="1"/>
+              <a:t>recognition</a:t>
+            </a:r>
+            <a:r>
               <a:rPr lang="da-DK" sz="2800" dirty="0"/>
-              <a:t>forhandlingsprotokoller</a:t>
-            </a:r>
-            <a:r>
-              <a:rPr lang="da-DK" sz="2800" b="1" dirty="0"/>
-              <a:t> </a:t>
-            </a:r>
+              <a:t> (NER) og maskinlæring</a:t>
+            </a:r>
+          </a:p>
+          <a:p>
             <a:r>
               <a:rPr lang="da-DK" sz="2800" dirty="0"/>
-              <a:t>1930-1940</a:t>
-            </a:r>
-          </a:p>
-          <a:p>
-            <a:pPr lvl="1"/>
+              <a:t> versionering som </a:t>
+            </a:r>
+            <a:r>
+              <a:rPr lang="da-DK" sz="2800" dirty="0" err="1"/>
+              <a:t>git</a:t>
+            </a:r>
             <a:r>
               <a:rPr lang="da-DK" sz="2800" dirty="0"/>
-              <a:t>Transskriberet og korrekturlæst tekst fra de årligt udgivne byrådsreferater.</a:t>
-            </a:r>
+              <a:t> og andet IT-støtteværktøj</a:t>
+            </a:r>
+          </a:p>
+          <a:p>
+            <a:r>
+              <a:rPr lang="da-DK" sz="2800" dirty="0"/>
+              <a:t> datatyper</a:t>
+            </a:r>
+          </a:p>
+          <a:p>
+            <a:r>
+              <a:rPr lang="da-DK" sz="2800" dirty="0"/>
+              <a:t> programmering</a:t>
+            </a:r>
+          </a:p>
+          <a:p>
+            <a:endParaRPr lang="en-GB" sz="2800" dirty="0"/>
           </a:p>
         </p:txBody>
       </p:sp>
@@ -6753,7 +6791,7 @@
           <p:cNvPr id="4" name="Pladsholder til dato 3">
             <a:extLst>
               <a:ext uri="{FF2B5EF4-FFF2-40B4-BE49-F238E27FC236}">
-                <a16:creationId xmlns:a16="http://schemas.microsoft.com/office/drawing/2014/main" id="{9C6CA27E-09E4-6841-83D1-270D1A8F84DA}"/>
+                <a16:creationId xmlns:a16="http://schemas.microsoft.com/office/drawing/2014/main" id="{8C6035B0-07A7-5E48-B61E-0389D03F2EF0}"/>
               </a:ext>
             </a:extLst>
           </p:cNvPr>
@@ -6778,40 +6816,10 @@
           </a:p>
         </p:txBody>
       </p:sp>
-      <p:pic>
-        <p:nvPicPr>
-          <p:cNvPr id="5" name="Billede 4">
-            <a:extLst>
-              <a:ext uri="{FF2B5EF4-FFF2-40B4-BE49-F238E27FC236}">
-                <a16:creationId xmlns:a16="http://schemas.microsoft.com/office/drawing/2014/main" id="{5959C7FC-A2CA-E144-89FA-037DFAF65835}"/>
-              </a:ext>
-            </a:extLst>
-          </p:cNvPr>
-          <p:cNvPicPr>
-            <a:picLocks noChangeAspect="1"/>
-          </p:cNvPicPr>
-          <p:nvPr/>
-        </p:nvPicPr>
-        <p:blipFill>
-          <a:blip r:embed="rId3"/>
-          <a:stretch>
-            <a:fillRect/>
-          </a:stretch>
-        </p:blipFill>
-        <p:spPr>
-          <a:xfrm>
-            <a:off x="7171364" y="3085493"/>
-            <a:ext cx="4513243" cy="2760616"/>
-          </a:xfrm>
-          <a:prstGeom prst="rect">
-            <a:avLst/>
-          </a:prstGeom>
-        </p:spPr>
-      </p:pic>
     </p:spTree>
     <p:extLst>
       <p:ext uri="{BB962C8B-B14F-4D97-AF65-F5344CB8AC3E}">
-        <p14:creationId xmlns:p14="http://schemas.microsoft.com/office/powerpoint/2010/main" val="2331724065"/>
+        <p14:creationId xmlns:p14="http://schemas.microsoft.com/office/powerpoint/2010/main" val="1456363749"/>
       </p:ext>
     </p:extLst>
   </p:cSld>
@@ -7030,6 +7038,225 @@
     <p:extLst>
       <p:ext uri="{BB962C8B-B14F-4D97-AF65-F5344CB8AC3E}">
         <p14:creationId xmlns:p14="http://schemas.microsoft.com/office/powerpoint/2010/main" val="2422273268"/>
+      </p:ext>
+    </p:extLst>
+  </p:cSld>
+  <p:clrMapOvr>
+    <a:masterClrMapping/>
+  </p:clrMapOvr>
+</p:sld>
+</file>
+
+<file path=ppt/slides/slide7.xml><?xml version="1.0" encoding="utf-8"?>
+<p:sld xmlns:a="http://schemas.openxmlformats.org/drawingml/2006/main" xmlns:r="http://schemas.openxmlformats.org/officeDocument/2006/relationships" xmlns:p="http://schemas.openxmlformats.org/presentationml/2006/main">
+  <p:cSld>
+    <p:spTree>
+      <p:nvGrpSpPr>
+        <p:cNvPr id="1" name=""/>
+        <p:cNvGrpSpPr/>
+        <p:nvPr/>
+      </p:nvGrpSpPr>
+      <p:grpSpPr>
+        <a:xfrm>
+          <a:off x="0" y="0"/>
+          <a:ext cx="0" cy="0"/>
+          <a:chOff x="0" y="0"/>
+          <a:chExt cx="0" cy="0"/>
+        </a:xfrm>
+      </p:grpSpPr>
+      <p:sp>
+        <p:nvSpPr>
+          <p:cNvPr id="2" name="Titel 1">
+            <a:extLst>
+              <a:ext uri="{FF2B5EF4-FFF2-40B4-BE49-F238E27FC236}">
+                <a16:creationId xmlns:a16="http://schemas.microsoft.com/office/drawing/2014/main" id="{676A7591-3DF1-CC43-9CBB-1335BEB7BF2C}"/>
+              </a:ext>
+            </a:extLst>
+          </p:cNvPr>
+          <p:cNvSpPr>
+            <a:spLocks noGrp="1"/>
+          </p:cNvSpPr>
+          <p:nvPr>
+            <p:ph type="title"/>
+          </p:nvPr>
+        </p:nvSpPr>
+        <p:spPr>
+          <a:xfrm>
+            <a:off x="719138" y="655604"/>
+            <a:ext cx="6840537" cy="574106"/>
+          </a:xfrm>
+        </p:spPr>
+        <p:txBody>
+          <a:bodyPr/>
+          <a:lstStyle/>
+          <a:p>
+            <a:r>
+              <a:rPr lang="en-GB" dirty="0" err="1"/>
+              <a:t>Gode</a:t>
+            </a:r>
+            <a:r>
+              <a:rPr lang="en-GB" dirty="0"/>
+              <a:t> links</a:t>
+            </a:r>
+          </a:p>
+        </p:txBody>
+      </p:sp>
+      <p:sp>
+        <p:nvSpPr>
+          <p:cNvPr id="3" name="Pladsholder til tekst 2">
+            <a:extLst>
+              <a:ext uri="{FF2B5EF4-FFF2-40B4-BE49-F238E27FC236}">
+                <a16:creationId xmlns:a16="http://schemas.microsoft.com/office/drawing/2014/main" id="{BEF38065-6060-AF4E-92AB-44E756FD9265}"/>
+              </a:ext>
+            </a:extLst>
+          </p:cNvPr>
+          <p:cNvSpPr>
+            <a:spLocks noGrp="1"/>
+          </p:cNvSpPr>
+          <p:nvPr>
+            <p:ph type="body" sz="quarter" idx="13"/>
+          </p:nvPr>
+        </p:nvSpPr>
+        <p:spPr>
+          <a:xfrm>
+            <a:off x="719137" y="1450428"/>
+            <a:ext cx="9969883" cy="3834372"/>
+          </a:xfrm>
+        </p:spPr>
+        <p:txBody>
+          <a:bodyPr/>
+          <a:lstStyle/>
+          <a:p>
+            <a:r>
+              <a:rPr lang="da-DK" sz="2800" dirty="0"/>
+              <a:t>Text Mining with R </a:t>
+            </a:r>
+            <a:r>
+              <a:rPr lang="da-DK" sz="2800" dirty="0">
+                <a:hlinkClick r:id="rId2"/>
+              </a:rPr>
+              <a:t>https://www.tidytextmining.com</a:t>
+            </a:r>
+            <a:endParaRPr lang="da-DK" sz="2800" dirty="0"/>
+          </a:p>
+          <a:p>
+            <a:r>
+              <a:rPr lang="da-DK" sz="2800" dirty="0"/>
+              <a:t>R for Data Science </a:t>
+            </a:r>
+            <a:r>
+              <a:rPr lang="da-DK" sz="2800" dirty="0">
+                <a:hlinkClick r:id="rId3"/>
+              </a:rPr>
+              <a:t>http://r4ds.had.co.nz</a:t>
+            </a:r>
+            <a:endParaRPr lang="da-DK" sz="2800" dirty="0"/>
+          </a:p>
+          <a:p>
+            <a:r>
+              <a:rPr lang="da-DK" sz="2800" dirty="0"/>
+              <a:t>Data </a:t>
+            </a:r>
+            <a:r>
+              <a:rPr lang="da-DK" sz="2800" dirty="0" err="1"/>
+              <a:t>Visualization</a:t>
+            </a:r>
+            <a:r>
+              <a:rPr lang="da-DK" sz="2800" dirty="0"/>
+              <a:t> in R </a:t>
+            </a:r>
+            <a:r>
+              <a:rPr lang="da-DK" sz="2800" dirty="0">
+                <a:hlinkClick r:id="rId4"/>
+              </a:rPr>
+              <a:t>https://socviz.co</a:t>
+            </a:r>
+            <a:endParaRPr lang="da-DK" sz="2800" dirty="0"/>
+          </a:p>
+          <a:p>
+            <a:endParaRPr lang="da-DK" sz="2800" dirty="0"/>
+          </a:p>
+          <a:p>
+            <a:r>
+              <a:rPr lang="da-DK" sz="2800" dirty="0"/>
+              <a:t>R Graph Gallery </a:t>
+            </a:r>
+            <a:r>
+              <a:rPr lang="da-DK" sz="2800" dirty="0">
+                <a:hlinkClick r:id="rId5"/>
+              </a:rPr>
+              <a:t>https://www.r-graph-gallery.com/</a:t>
+            </a:r>
+            <a:endParaRPr lang="da-DK" sz="2800" dirty="0"/>
+          </a:p>
+          <a:p>
+            <a:r>
+              <a:rPr lang="da-DK" sz="2800" dirty="0"/>
+              <a:t>R </a:t>
+            </a:r>
+            <a:r>
+              <a:rPr lang="da-DK" sz="2800" dirty="0" err="1"/>
+              <a:t>Cheat</a:t>
+            </a:r>
+            <a:r>
+              <a:rPr lang="da-DK" sz="2800" dirty="0"/>
+              <a:t> </a:t>
+            </a:r>
+            <a:r>
+              <a:rPr lang="da-DK" sz="2800" dirty="0" err="1"/>
+              <a:t>Sheets</a:t>
+            </a:r>
+            <a:r>
+              <a:rPr lang="da-DK" sz="2800" dirty="0"/>
+              <a:t> </a:t>
+            </a:r>
+            <a:r>
+              <a:rPr lang="da-DK" sz="2800" dirty="0">
+                <a:hlinkClick r:id="rId6"/>
+              </a:rPr>
+              <a:t>https://rstudio.com/resources/cheatsheets/</a:t>
+            </a:r>
+            <a:endParaRPr lang="da-DK" sz="2800" dirty="0"/>
+          </a:p>
+          <a:p>
+            <a:endParaRPr lang="en-GB" dirty="0"/>
+          </a:p>
+        </p:txBody>
+      </p:sp>
+      <p:sp>
+        <p:nvSpPr>
+          <p:cNvPr id="4" name="Pladsholder til dato 3">
+            <a:extLst>
+              <a:ext uri="{FF2B5EF4-FFF2-40B4-BE49-F238E27FC236}">
+                <a16:creationId xmlns:a16="http://schemas.microsoft.com/office/drawing/2014/main" id="{BEC57D15-3FB0-264B-A9A3-BE4AFEC26B32}"/>
+              </a:ext>
+            </a:extLst>
+          </p:cNvPr>
+          <p:cNvSpPr>
+            <a:spLocks noGrp="1"/>
+          </p:cNvSpPr>
+          <p:nvPr>
+            <p:ph type="dt" sz="half" idx="14"/>
+          </p:nvPr>
+        </p:nvSpPr>
+        <p:spPr/>
+        <p:txBody>
+          <a:bodyPr/>
+          <a:lstStyle/>
+          <a:p>
+            <a:fld id="{D975665A-61CB-4DAB-8750-5B97BD1810B6}" type="datetime5">
+              <a:rPr lang="da-DK" smtClean="0"/>
+              <a:pPr/>
+              <a:t>december 2020</a:t>
+            </a:fld>
+            <a:endParaRPr lang="da-DK" dirty="0"/>
+          </a:p>
+        </p:txBody>
+      </p:sp>
+    </p:spTree>
+    <p:extLst>
+      <p:ext uri="{BB962C8B-B14F-4D97-AF65-F5344CB8AC3E}">
+        <p14:creationId xmlns:p14="http://schemas.microsoft.com/office/powerpoint/2010/main" val="3364754510"/>
       </p:ext>
     </p:extLst>
   </p:cSld>
